--- a/5 HealthFit Demo.pptx
+++ b/5 HealthFit Demo.pptx
@@ -8,6 +8,18 @@
     <p:sldId id="256" r:id="rId2"/>
     <p:sldId id="257" r:id="rId3"/>
     <p:sldId id="258" r:id="rId4"/>
+    <p:sldId id="259" r:id="rId5"/>
+    <p:sldId id="260" r:id="rId6"/>
+    <p:sldId id="261" r:id="rId7"/>
+    <p:sldId id="262" r:id="rId8"/>
+    <p:sldId id="263" r:id="rId9"/>
+    <p:sldId id="264" r:id="rId10"/>
+    <p:sldId id="265" r:id="rId11"/>
+    <p:sldId id="266" r:id="rId12"/>
+    <p:sldId id="268" r:id="rId13"/>
+    <p:sldId id="269" r:id="rId14"/>
+    <p:sldId id="267" r:id="rId15"/>
+    <p:sldId id="270" r:id="rId16"/>
   </p:sldIdLst>
   <p:sldSz cx="12192000" cy="6858000"/>
   <p:notesSz cx="6858000" cy="9144000"/>
@@ -245,7 +257,7 @@
           <a:p>
             <a:fld id="{D1AE3E73-03A8-4803-9777-B1B793428FF4}" type="datetimeFigureOut">
               <a:rPr lang="en-US" smtClean="0"/>
-              <a:t>5/27/2023</a:t>
+              <a:t>5/28/2023</a:t>
             </a:fld>
             <a:endParaRPr lang="en-US"/>
           </a:p>
@@ -415,7 +427,7 @@
           <a:p>
             <a:fld id="{D1AE3E73-03A8-4803-9777-B1B793428FF4}" type="datetimeFigureOut">
               <a:rPr lang="en-US" smtClean="0"/>
-              <a:t>5/27/2023</a:t>
+              <a:t>5/28/2023</a:t>
             </a:fld>
             <a:endParaRPr lang="en-US"/>
           </a:p>
@@ -595,7 +607,7 @@
           <a:p>
             <a:fld id="{D1AE3E73-03A8-4803-9777-B1B793428FF4}" type="datetimeFigureOut">
               <a:rPr lang="en-US" smtClean="0"/>
-              <a:t>5/27/2023</a:t>
+              <a:t>5/28/2023</a:t>
             </a:fld>
             <a:endParaRPr lang="en-US"/>
           </a:p>
@@ -765,7 +777,7 @@
           <a:p>
             <a:fld id="{D1AE3E73-03A8-4803-9777-B1B793428FF4}" type="datetimeFigureOut">
               <a:rPr lang="en-US" smtClean="0"/>
-              <a:t>5/27/2023</a:t>
+              <a:t>5/28/2023</a:t>
             </a:fld>
             <a:endParaRPr lang="en-US"/>
           </a:p>
@@ -1011,7 +1023,7 @@
           <a:p>
             <a:fld id="{D1AE3E73-03A8-4803-9777-B1B793428FF4}" type="datetimeFigureOut">
               <a:rPr lang="en-US" smtClean="0"/>
-              <a:t>5/27/2023</a:t>
+              <a:t>5/28/2023</a:t>
             </a:fld>
             <a:endParaRPr lang="en-US"/>
           </a:p>
@@ -1243,7 +1255,7 @@
           <a:p>
             <a:fld id="{D1AE3E73-03A8-4803-9777-B1B793428FF4}" type="datetimeFigureOut">
               <a:rPr lang="en-US" smtClean="0"/>
-              <a:t>5/27/2023</a:t>
+              <a:t>5/28/2023</a:t>
             </a:fld>
             <a:endParaRPr lang="en-US"/>
           </a:p>
@@ -1610,7 +1622,7 @@
           <a:p>
             <a:fld id="{D1AE3E73-03A8-4803-9777-B1B793428FF4}" type="datetimeFigureOut">
               <a:rPr lang="en-US" smtClean="0"/>
-              <a:t>5/27/2023</a:t>
+              <a:t>5/28/2023</a:t>
             </a:fld>
             <a:endParaRPr lang="en-US"/>
           </a:p>
@@ -1728,7 +1740,7 @@
           <a:p>
             <a:fld id="{D1AE3E73-03A8-4803-9777-B1B793428FF4}" type="datetimeFigureOut">
               <a:rPr lang="en-US" smtClean="0"/>
-              <a:t>5/27/2023</a:t>
+              <a:t>5/28/2023</a:t>
             </a:fld>
             <a:endParaRPr lang="en-US"/>
           </a:p>
@@ -1823,7 +1835,7 @@
           <a:p>
             <a:fld id="{D1AE3E73-03A8-4803-9777-B1B793428FF4}" type="datetimeFigureOut">
               <a:rPr lang="en-US" smtClean="0"/>
-              <a:t>5/27/2023</a:t>
+              <a:t>5/28/2023</a:t>
             </a:fld>
             <a:endParaRPr lang="en-US"/>
           </a:p>
@@ -2100,7 +2112,7 @@
           <a:p>
             <a:fld id="{D1AE3E73-03A8-4803-9777-B1B793428FF4}" type="datetimeFigureOut">
               <a:rPr lang="en-US" smtClean="0"/>
-              <a:t>5/27/2023</a:t>
+              <a:t>5/28/2023</a:t>
             </a:fld>
             <a:endParaRPr lang="en-US"/>
           </a:p>
@@ -2353,7 +2365,7 @@
           <a:p>
             <a:fld id="{D1AE3E73-03A8-4803-9777-B1B793428FF4}" type="datetimeFigureOut">
               <a:rPr lang="en-US" smtClean="0"/>
-              <a:t>5/27/2023</a:t>
+              <a:t>5/28/2023</a:t>
             </a:fld>
             <a:endParaRPr lang="en-US"/>
           </a:p>
@@ -2566,7 +2578,7 @@
           <a:p>
             <a:fld id="{D1AE3E73-03A8-4803-9777-B1B793428FF4}" type="datetimeFigureOut">
               <a:rPr lang="en-US" smtClean="0"/>
-              <a:t>5/27/2023</a:t>
+              <a:t>5/28/2023</a:t>
             </a:fld>
             <a:endParaRPr lang="en-US"/>
           </a:p>
@@ -3186,6 +3198,868 @@
 </p:sld>
 </file>
 
+<file path=ppt/slides/slide10.xml><?xml version="1.0" encoding="utf-8"?>
+<p:sld xmlns:a="http://schemas.openxmlformats.org/drawingml/2006/main" xmlns:r="http://schemas.openxmlformats.org/officeDocument/2006/relationships" xmlns:p="http://schemas.openxmlformats.org/presentationml/2006/main">
+  <p:cSld>
+    <p:bg>
+      <p:bgPr>
+        <a:blipFill dpi="0" rotWithShape="1">
+          <a:blip r:embed="rId2">
+            <a:lum/>
+          </a:blip>
+          <a:srcRect/>
+          <a:stretch>
+            <a:fillRect t="-17000" b="-17000"/>
+          </a:stretch>
+        </a:blipFill>
+        <a:effectLst/>
+      </p:bgPr>
+    </p:bg>
+    <p:spTree>
+      <p:nvGrpSpPr>
+        <p:cNvPr id="1" name=""/>
+        <p:cNvGrpSpPr/>
+        <p:nvPr/>
+      </p:nvGrpSpPr>
+      <p:grpSpPr>
+        <a:xfrm>
+          <a:off x="0" y="0"/>
+          <a:ext cx="0" cy="0"/>
+          <a:chOff x="0" y="0"/>
+          <a:chExt cx="0" cy="0"/>
+        </a:xfrm>
+      </p:grpSpPr>
+      <p:sp>
+        <p:nvSpPr>
+          <p:cNvPr id="3" name="Rectangle 2"/>
+          <p:cNvSpPr/>
+          <p:nvPr/>
+        </p:nvSpPr>
+        <p:spPr>
+          <a:xfrm>
+            <a:off x="418194" y="0"/>
+            <a:ext cx="8005369" cy="2585323"/>
+          </a:xfrm>
+          <a:prstGeom prst="rect">
+            <a:avLst/>
+          </a:prstGeom>
+          <a:noFill/>
+        </p:spPr>
+        <p:txBody>
+          <a:bodyPr wrap="square" lIns="91440" tIns="45720" rIns="91440" bIns="45720">
+            <a:spAutoFit/>
+          </a:bodyPr>
+          <a:lstStyle/>
+          <a:p>
+            <a:pPr>
+              <a:lnSpc>
+                <a:spcPct val="150000"/>
+              </a:lnSpc>
+            </a:pPr>
+            <a:r>
+              <a:rPr lang="en-US" sz="3800" dirty="0" smtClean="0"/>
+              <a:t>Publisher -&gt; </a:t>
+            </a:r>
+          </a:p>
+          <a:p>
+            <a:pPr>
+              <a:lnSpc>
+                <a:spcPct val="150000"/>
+              </a:lnSpc>
+            </a:pPr>
+            <a:r>
+              <a:rPr lang="en-US" sz="3800" dirty="0" smtClean="0"/>
+              <a:t>My </a:t>
+            </a:r>
+            <a:r>
+              <a:rPr lang="en-US" sz="3800" dirty="0" err="1" smtClean="0"/>
+              <a:t>Jornals</a:t>
+            </a:r>
+            <a:endParaRPr lang="en-US" sz="3800" dirty="0"/>
+          </a:p>
+          <a:p>
+            <a:pPr algn="ctr"/>
+            <a:r>
+              <a:rPr lang="en-US" sz="4800" dirty="0" smtClean="0"/>
+              <a:t> </a:t>
+            </a:r>
+            <a:endParaRPr lang="en-US" sz="4800" b="0" cap="none" spc="0" dirty="0">
+              <a:ln w="0"/>
+              <a:solidFill>
+                <a:schemeClr val="tx1"/>
+              </a:solidFill>
+              <a:effectLst>
+                <a:outerShdw blurRad="38100" dist="19050" dir="2700000" algn="tl" rotWithShape="0">
+                  <a:schemeClr val="dk1">
+                    <a:alpha val="40000"/>
+                  </a:schemeClr>
+                </a:outerShdw>
+              </a:effectLst>
+            </a:endParaRPr>
+          </a:p>
+        </p:txBody>
+      </p:sp>
+      <p:pic>
+        <p:nvPicPr>
+          <p:cNvPr id="2" name="Picture 1"/>
+          <p:cNvPicPr>
+            <a:picLocks noChangeAspect="1"/>
+          </p:cNvPicPr>
+          <p:nvPr/>
+        </p:nvPicPr>
+        <p:blipFill>
+          <a:blip r:embed="rId3"/>
+          <a:stretch>
+            <a:fillRect/>
+          </a:stretch>
+        </p:blipFill>
+        <p:spPr>
+          <a:xfrm>
+            <a:off x="5514108" y="175904"/>
+            <a:ext cx="6456219" cy="6682096"/>
+          </a:xfrm>
+          <a:prstGeom prst="rect">
+            <a:avLst/>
+          </a:prstGeom>
+        </p:spPr>
+      </p:pic>
+    </p:spTree>
+    <p:extLst>
+      <p:ext uri="{BB962C8B-B14F-4D97-AF65-F5344CB8AC3E}">
+        <p14:creationId xmlns:p14="http://schemas.microsoft.com/office/powerpoint/2010/main" val="4095809681"/>
+      </p:ext>
+    </p:extLst>
+  </p:cSld>
+  <p:clrMapOvr>
+    <a:masterClrMapping/>
+  </p:clrMapOvr>
+  <p:timing>
+    <p:tnLst>
+      <p:par>
+        <p:cTn id="1" dur="indefinite" restart="never" nodeType="tmRoot"/>
+      </p:par>
+    </p:tnLst>
+  </p:timing>
+</p:sld>
+</file>
+
+<file path=ppt/slides/slide11.xml><?xml version="1.0" encoding="utf-8"?>
+<p:sld xmlns:a="http://schemas.openxmlformats.org/drawingml/2006/main" xmlns:r="http://schemas.openxmlformats.org/officeDocument/2006/relationships" xmlns:p="http://schemas.openxmlformats.org/presentationml/2006/main">
+  <p:cSld>
+    <p:bg>
+      <p:bgPr>
+        <a:blipFill dpi="0" rotWithShape="1">
+          <a:blip r:embed="rId2">
+            <a:lum/>
+          </a:blip>
+          <a:srcRect/>
+          <a:stretch>
+            <a:fillRect t="-17000" b="-17000"/>
+          </a:stretch>
+        </a:blipFill>
+        <a:effectLst/>
+      </p:bgPr>
+    </p:bg>
+    <p:spTree>
+      <p:nvGrpSpPr>
+        <p:cNvPr id="1" name=""/>
+        <p:cNvGrpSpPr/>
+        <p:nvPr/>
+      </p:nvGrpSpPr>
+      <p:grpSpPr>
+        <a:xfrm>
+          <a:off x="0" y="0"/>
+          <a:ext cx="0" cy="0"/>
+          <a:chOff x="0" y="0"/>
+          <a:chExt cx="0" cy="0"/>
+        </a:xfrm>
+      </p:grpSpPr>
+      <p:sp>
+        <p:nvSpPr>
+          <p:cNvPr id="3" name="Rectangle 2"/>
+          <p:cNvSpPr/>
+          <p:nvPr/>
+        </p:nvSpPr>
+        <p:spPr>
+          <a:xfrm>
+            <a:off x="418194" y="0"/>
+            <a:ext cx="8005369" cy="2585323"/>
+          </a:xfrm>
+          <a:prstGeom prst="rect">
+            <a:avLst/>
+          </a:prstGeom>
+          <a:noFill/>
+        </p:spPr>
+        <p:txBody>
+          <a:bodyPr wrap="square" lIns="91440" tIns="45720" rIns="91440" bIns="45720">
+            <a:spAutoFit/>
+          </a:bodyPr>
+          <a:lstStyle/>
+          <a:p>
+            <a:pPr>
+              <a:lnSpc>
+                <a:spcPct val="150000"/>
+              </a:lnSpc>
+            </a:pPr>
+            <a:r>
+              <a:rPr lang="en-US" sz="3800" dirty="0" smtClean="0"/>
+              <a:t>Publisher -&gt; </a:t>
+            </a:r>
+          </a:p>
+          <a:p>
+            <a:pPr>
+              <a:lnSpc>
+                <a:spcPct val="150000"/>
+              </a:lnSpc>
+            </a:pPr>
+            <a:r>
+              <a:rPr lang="en-US" sz="3800" dirty="0" smtClean="0"/>
+              <a:t>New /Edit </a:t>
+            </a:r>
+            <a:r>
+              <a:rPr lang="en-US" sz="3800" dirty="0" err="1" smtClean="0"/>
+              <a:t>Jornals</a:t>
+            </a:r>
+            <a:endParaRPr lang="en-US" sz="3800" dirty="0"/>
+          </a:p>
+          <a:p>
+            <a:pPr algn="ctr"/>
+            <a:r>
+              <a:rPr lang="en-US" sz="4800" dirty="0" smtClean="0"/>
+              <a:t> </a:t>
+            </a:r>
+            <a:endParaRPr lang="en-US" sz="4800" b="0" cap="none" spc="0" dirty="0">
+              <a:ln w="0"/>
+              <a:solidFill>
+                <a:schemeClr val="tx1"/>
+              </a:solidFill>
+              <a:effectLst>
+                <a:outerShdw blurRad="38100" dist="19050" dir="2700000" algn="tl" rotWithShape="0">
+                  <a:schemeClr val="dk1">
+                    <a:alpha val="40000"/>
+                  </a:schemeClr>
+                </a:outerShdw>
+              </a:effectLst>
+            </a:endParaRPr>
+          </a:p>
+        </p:txBody>
+      </p:sp>
+      <p:pic>
+        <p:nvPicPr>
+          <p:cNvPr id="5" name="Picture 4"/>
+          <p:cNvPicPr>
+            <a:picLocks noChangeAspect="1"/>
+          </p:cNvPicPr>
+          <p:nvPr/>
+        </p:nvPicPr>
+        <p:blipFill>
+          <a:blip r:embed="rId3"/>
+          <a:stretch>
+            <a:fillRect/>
+          </a:stretch>
+        </p:blipFill>
+        <p:spPr>
+          <a:xfrm>
+            <a:off x="5777345" y="225999"/>
+            <a:ext cx="6123709" cy="6502495"/>
+          </a:xfrm>
+          <a:prstGeom prst="rect">
+            <a:avLst/>
+          </a:prstGeom>
+        </p:spPr>
+      </p:pic>
+    </p:spTree>
+    <p:extLst>
+      <p:ext uri="{BB962C8B-B14F-4D97-AF65-F5344CB8AC3E}">
+        <p14:creationId xmlns:p14="http://schemas.microsoft.com/office/powerpoint/2010/main" val="4206123354"/>
+      </p:ext>
+    </p:extLst>
+  </p:cSld>
+  <p:clrMapOvr>
+    <a:masterClrMapping/>
+  </p:clrMapOvr>
+  <p:timing>
+    <p:tnLst>
+      <p:par>
+        <p:cTn id="1" dur="indefinite" restart="never" nodeType="tmRoot"/>
+      </p:par>
+    </p:tnLst>
+  </p:timing>
+</p:sld>
+</file>
+
+<file path=ppt/slides/slide12.xml><?xml version="1.0" encoding="utf-8"?>
+<p:sld xmlns:a="http://schemas.openxmlformats.org/drawingml/2006/main" xmlns:r="http://schemas.openxmlformats.org/officeDocument/2006/relationships" xmlns:p="http://schemas.openxmlformats.org/presentationml/2006/main">
+  <p:cSld>
+    <p:bg>
+      <p:bgPr>
+        <a:blipFill dpi="0" rotWithShape="1">
+          <a:blip r:embed="rId2">
+            <a:lum/>
+          </a:blip>
+          <a:srcRect/>
+          <a:stretch>
+            <a:fillRect t="-17000" b="-17000"/>
+          </a:stretch>
+        </a:blipFill>
+        <a:effectLst/>
+      </p:bgPr>
+    </p:bg>
+    <p:spTree>
+      <p:nvGrpSpPr>
+        <p:cNvPr id="1" name=""/>
+        <p:cNvGrpSpPr/>
+        <p:nvPr/>
+      </p:nvGrpSpPr>
+      <p:grpSpPr>
+        <a:xfrm>
+          <a:off x="0" y="0"/>
+          <a:ext cx="0" cy="0"/>
+          <a:chOff x="0" y="0"/>
+          <a:chExt cx="0" cy="0"/>
+        </a:xfrm>
+      </p:grpSpPr>
+      <p:sp>
+        <p:nvSpPr>
+          <p:cNvPr id="3" name="Rectangle 2"/>
+          <p:cNvSpPr/>
+          <p:nvPr/>
+        </p:nvSpPr>
+        <p:spPr>
+          <a:xfrm>
+            <a:off x="418194" y="0"/>
+            <a:ext cx="8005369" cy="2585323"/>
+          </a:xfrm>
+          <a:prstGeom prst="rect">
+            <a:avLst/>
+          </a:prstGeom>
+          <a:noFill/>
+        </p:spPr>
+        <p:txBody>
+          <a:bodyPr wrap="square" lIns="91440" tIns="45720" rIns="91440" bIns="45720">
+            <a:spAutoFit/>
+          </a:bodyPr>
+          <a:lstStyle/>
+          <a:p>
+            <a:pPr>
+              <a:lnSpc>
+                <a:spcPct val="150000"/>
+              </a:lnSpc>
+            </a:pPr>
+            <a:r>
+              <a:rPr lang="en-US" sz="3800" dirty="0" smtClean="0"/>
+              <a:t>Public User -&gt; </a:t>
+            </a:r>
+          </a:p>
+          <a:p>
+            <a:pPr>
+              <a:lnSpc>
+                <a:spcPct val="150000"/>
+              </a:lnSpc>
+            </a:pPr>
+            <a:r>
+              <a:rPr lang="en-US" sz="3800" dirty="0" smtClean="0"/>
+              <a:t>Dashboard</a:t>
+            </a:r>
+            <a:endParaRPr lang="en-US" sz="3800" dirty="0"/>
+          </a:p>
+          <a:p>
+            <a:pPr algn="ctr"/>
+            <a:r>
+              <a:rPr lang="en-US" sz="4800" dirty="0" smtClean="0"/>
+              <a:t> </a:t>
+            </a:r>
+            <a:endParaRPr lang="en-US" sz="4800" b="0" cap="none" spc="0" dirty="0">
+              <a:ln w="0"/>
+              <a:solidFill>
+                <a:schemeClr val="tx1"/>
+              </a:solidFill>
+              <a:effectLst>
+                <a:outerShdw blurRad="38100" dist="19050" dir="2700000" algn="tl" rotWithShape="0">
+                  <a:schemeClr val="dk1">
+                    <a:alpha val="40000"/>
+                  </a:schemeClr>
+                </a:outerShdw>
+              </a:effectLst>
+            </a:endParaRPr>
+          </a:p>
+        </p:txBody>
+      </p:sp>
+      <p:pic>
+        <p:nvPicPr>
+          <p:cNvPr id="2" name="Picture 1"/>
+          <p:cNvPicPr>
+            <a:picLocks noChangeAspect="1"/>
+          </p:cNvPicPr>
+          <p:nvPr/>
+        </p:nvPicPr>
+        <p:blipFill>
+          <a:blip r:embed="rId3"/>
+          <a:stretch>
+            <a:fillRect/>
+          </a:stretch>
+        </p:blipFill>
+        <p:spPr>
+          <a:xfrm>
+            <a:off x="5516274" y="101912"/>
+            <a:ext cx="6523326" cy="6567753"/>
+          </a:xfrm>
+          <a:prstGeom prst="rect">
+            <a:avLst/>
+          </a:prstGeom>
+        </p:spPr>
+      </p:pic>
+    </p:spTree>
+    <p:extLst>
+      <p:ext uri="{BB962C8B-B14F-4D97-AF65-F5344CB8AC3E}">
+        <p14:creationId xmlns:p14="http://schemas.microsoft.com/office/powerpoint/2010/main" val="2232219113"/>
+      </p:ext>
+    </p:extLst>
+  </p:cSld>
+  <p:clrMapOvr>
+    <a:masterClrMapping/>
+  </p:clrMapOvr>
+  <p:timing>
+    <p:tnLst>
+      <p:par>
+        <p:cTn id="1" dur="indefinite" restart="never" nodeType="tmRoot"/>
+      </p:par>
+    </p:tnLst>
+  </p:timing>
+</p:sld>
+</file>
+
+<file path=ppt/slides/slide13.xml><?xml version="1.0" encoding="utf-8"?>
+<p:sld xmlns:a="http://schemas.openxmlformats.org/drawingml/2006/main" xmlns:r="http://schemas.openxmlformats.org/officeDocument/2006/relationships" xmlns:p="http://schemas.openxmlformats.org/presentationml/2006/main">
+  <p:cSld>
+    <p:bg>
+      <p:bgPr>
+        <a:blipFill dpi="0" rotWithShape="1">
+          <a:blip r:embed="rId2">
+            <a:lum/>
+          </a:blip>
+          <a:srcRect/>
+          <a:stretch>
+            <a:fillRect t="-17000" b="-17000"/>
+          </a:stretch>
+        </a:blipFill>
+        <a:effectLst/>
+      </p:bgPr>
+    </p:bg>
+    <p:spTree>
+      <p:nvGrpSpPr>
+        <p:cNvPr id="1" name=""/>
+        <p:cNvGrpSpPr/>
+        <p:nvPr/>
+      </p:nvGrpSpPr>
+      <p:grpSpPr>
+        <a:xfrm>
+          <a:off x="0" y="0"/>
+          <a:ext cx="0" cy="0"/>
+          <a:chOff x="0" y="0"/>
+          <a:chExt cx="0" cy="0"/>
+        </a:xfrm>
+      </p:grpSpPr>
+      <p:sp>
+        <p:nvSpPr>
+          <p:cNvPr id="3" name="Rectangle 2"/>
+          <p:cNvSpPr/>
+          <p:nvPr/>
+        </p:nvSpPr>
+        <p:spPr>
+          <a:xfrm>
+            <a:off x="418194" y="0"/>
+            <a:ext cx="8005369" cy="2585323"/>
+          </a:xfrm>
+          <a:prstGeom prst="rect">
+            <a:avLst/>
+          </a:prstGeom>
+          <a:noFill/>
+        </p:spPr>
+        <p:txBody>
+          <a:bodyPr wrap="square" lIns="91440" tIns="45720" rIns="91440" bIns="45720">
+            <a:spAutoFit/>
+          </a:bodyPr>
+          <a:lstStyle/>
+          <a:p>
+            <a:pPr>
+              <a:lnSpc>
+                <a:spcPct val="150000"/>
+              </a:lnSpc>
+            </a:pPr>
+            <a:r>
+              <a:rPr lang="en-US" sz="3800" dirty="0" smtClean="0"/>
+              <a:t>Public User -&gt; Subscribe </a:t>
+            </a:r>
+          </a:p>
+          <a:p>
+            <a:pPr>
+              <a:lnSpc>
+                <a:spcPct val="150000"/>
+              </a:lnSpc>
+            </a:pPr>
+            <a:r>
+              <a:rPr lang="en-US" sz="3800" dirty="0" smtClean="0"/>
+              <a:t>Page</a:t>
+            </a:r>
+            <a:endParaRPr lang="en-US" sz="3800" dirty="0"/>
+          </a:p>
+          <a:p>
+            <a:pPr algn="ctr"/>
+            <a:r>
+              <a:rPr lang="en-US" sz="4800" dirty="0" smtClean="0"/>
+              <a:t> </a:t>
+            </a:r>
+            <a:endParaRPr lang="en-US" sz="4800" b="0" cap="none" spc="0" dirty="0">
+              <a:ln w="0"/>
+              <a:solidFill>
+                <a:schemeClr val="tx1"/>
+              </a:solidFill>
+              <a:effectLst>
+                <a:outerShdw blurRad="38100" dist="19050" dir="2700000" algn="tl" rotWithShape="0">
+                  <a:schemeClr val="dk1">
+                    <a:alpha val="40000"/>
+                  </a:schemeClr>
+                </a:outerShdw>
+              </a:effectLst>
+            </a:endParaRPr>
+          </a:p>
+        </p:txBody>
+      </p:sp>
+      <p:pic>
+        <p:nvPicPr>
+          <p:cNvPr id="4" name="Picture 3"/>
+          <p:cNvPicPr>
+            <a:picLocks noChangeAspect="1"/>
+          </p:cNvPicPr>
+          <p:nvPr/>
+        </p:nvPicPr>
+        <p:blipFill>
+          <a:blip r:embed="rId3"/>
+          <a:stretch>
+            <a:fillRect/>
+          </a:stretch>
+        </p:blipFill>
+        <p:spPr>
+          <a:xfrm>
+            <a:off x="5846617" y="110837"/>
+            <a:ext cx="6230649" cy="6660843"/>
+          </a:xfrm>
+          <a:prstGeom prst="rect">
+            <a:avLst/>
+          </a:prstGeom>
+        </p:spPr>
+      </p:pic>
+    </p:spTree>
+    <p:extLst>
+      <p:ext uri="{BB962C8B-B14F-4D97-AF65-F5344CB8AC3E}">
+        <p14:creationId xmlns:p14="http://schemas.microsoft.com/office/powerpoint/2010/main" val="2181223357"/>
+      </p:ext>
+    </p:extLst>
+  </p:cSld>
+  <p:clrMapOvr>
+    <a:masterClrMapping/>
+  </p:clrMapOvr>
+  <p:timing>
+    <p:tnLst>
+      <p:par>
+        <p:cTn id="1" dur="indefinite" restart="never" nodeType="tmRoot"/>
+      </p:par>
+    </p:tnLst>
+  </p:timing>
+</p:sld>
+</file>
+
+<file path=ppt/slides/slide14.xml><?xml version="1.0" encoding="utf-8"?>
+<p:sld xmlns:a="http://schemas.openxmlformats.org/drawingml/2006/main" xmlns:r="http://schemas.openxmlformats.org/officeDocument/2006/relationships" xmlns:p="http://schemas.openxmlformats.org/presentationml/2006/main">
+  <p:cSld>
+    <p:bg>
+      <p:bgPr>
+        <a:blipFill dpi="0" rotWithShape="1">
+          <a:blip r:embed="rId2">
+            <a:lum/>
+          </a:blip>
+          <a:srcRect/>
+          <a:stretch>
+            <a:fillRect t="-17000" b="-17000"/>
+          </a:stretch>
+        </a:blipFill>
+        <a:effectLst/>
+      </p:bgPr>
+    </p:bg>
+    <p:spTree>
+      <p:nvGrpSpPr>
+        <p:cNvPr id="1" name=""/>
+        <p:cNvGrpSpPr/>
+        <p:nvPr/>
+      </p:nvGrpSpPr>
+      <p:grpSpPr>
+        <a:xfrm>
+          <a:off x="0" y="0"/>
+          <a:ext cx="0" cy="0"/>
+          <a:chOff x="0" y="0"/>
+          <a:chExt cx="0" cy="0"/>
+        </a:xfrm>
+      </p:grpSpPr>
+      <p:sp>
+        <p:nvSpPr>
+          <p:cNvPr id="3" name="Rectangle 2"/>
+          <p:cNvSpPr/>
+          <p:nvPr/>
+        </p:nvSpPr>
+        <p:spPr>
+          <a:xfrm>
+            <a:off x="418194" y="0"/>
+            <a:ext cx="8005369" cy="2585323"/>
+          </a:xfrm>
+          <a:prstGeom prst="rect">
+            <a:avLst/>
+          </a:prstGeom>
+          <a:noFill/>
+        </p:spPr>
+        <p:txBody>
+          <a:bodyPr wrap="square" lIns="91440" tIns="45720" rIns="91440" bIns="45720">
+            <a:spAutoFit/>
+          </a:bodyPr>
+          <a:lstStyle/>
+          <a:p>
+            <a:pPr>
+              <a:lnSpc>
+                <a:spcPct val="150000"/>
+              </a:lnSpc>
+            </a:pPr>
+            <a:r>
+              <a:rPr lang="en-US" sz="3800" dirty="0" smtClean="0"/>
+              <a:t>Publisher/User -&gt; </a:t>
+            </a:r>
+          </a:p>
+          <a:p>
+            <a:pPr>
+              <a:lnSpc>
+                <a:spcPct val="150000"/>
+              </a:lnSpc>
+            </a:pPr>
+            <a:r>
+              <a:rPr lang="en-US" sz="3800" dirty="0" smtClean="0"/>
+              <a:t>View </a:t>
+            </a:r>
+            <a:r>
+              <a:rPr lang="en-US" sz="3800" dirty="0" err="1" smtClean="0"/>
+              <a:t>Jornals</a:t>
+            </a:r>
+            <a:endParaRPr lang="en-US" sz="3800" dirty="0"/>
+          </a:p>
+          <a:p>
+            <a:pPr algn="ctr"/>
+            <a:r>
+              <a:rPr lang="en-US" sz="4800" dirty="0" smtClean="0"/>
+              <a:t> </a:t>
+            </a:r>
+            <a:endParaRPr lang="en-US" sz="4800" b="0" cap="none" spc="0" dirty="0">
+              <a:ln w="0"/>
+              <a:solidFill>
+                <a:schemeClr val="tx1"/>
+              </a:solidFill>
+              <a:effectLst>
+                <a:outerShdw blurRad="38100" dist="19050" dir="2700000" algn="tl" rotWithShape="0">
+                  <a:schemeClr val="dk1">
+                    <a:alpha val="40000"/>
+                  </a:schemeClr>
+                </a:outerShdw>
+              </a:effectLst>
+            </a:endParaRPr>
+          </a:p>
+        </p:txBody>
+      </p:sp>
+      <p:pic>
+        <p:nvPicPr>
+          <p:cNvPr id="2" name="Picture 1"/>
+          <p:cNvPicPr>
+            <a:picLocks noChangeAspect="1"/>
+          </p:cNvPicPr>
+          <p:nvPr/>
+        </p:nvPicPr>
+        <p:blipFill>
+          <a:blip r:embed="rId3"/>
+          <a:stretch>
+            <a:fillRect/>
+          </a:stretch>
+        </p:blipFill>
+        <p:spPr>
+          <a:xfrm>
+            <a:off x="5591823" y="91890"/>
+            <a:ext cx="6331921" cy="6766110"/>
+          </a:xfrm>
+          <a:prstGeom prst="rect">
+            <a:avLst/>
+          </a:prstGeom>
+        </p:spPr>
+      </p:pic>
+    </p:spTree>
+    <p:extLst>
+      <p:ext uri="{BB962C8B-B14F-4D97-AF65-F5344CB8AC3E}">
+        <p14:creationId xmlns:p14="http://schemas.microsoft.com/office/powerpoint/2010/main" val="1572104766"/>
+      </p:ext>
+    </p:extLst>
+  </p:cSld>
+  <p:clrMapOvr>
+    <a:masterClrMapping/>
+  </p:clrMapOvr>
+  <p:timing>
+    <p:tnLst>
+      <p:par>
+        <p:cTn id="1" dur="indefinite" restart="never" nodeType="tmRoot"/>
+      </p:par>
+    </p:tnLst>
+  </p:timing>
+</p:sld>
+</file>
+
+<file path=ppt/slides/slide15.xml><?xml version="1.0" encoding="utf-8"?>
+<p:sld xmlns:a="http://schemas.openxmlformats.org/drawingml/2006/main" xmlns:r="http://schemas.openxmlformats.org/officeDocument/2006/relationships" xmlns:p="http://schemas.openxmlformats.org/presentationml/2006/main">
+  <p:cSld>
+    <p:bg>
+      <p:bgPr>
+        <a:blipFill dpi="0" rotWithShape="1">
+          <a:blip r:embed="rId2">
+            <a:lum/>
+          </a:blip>
+          <a:srcRect/>
+          <a:stretch>
+            <a:fillRect t="-17000" b="-17000"/>
+          </a:stretch>
+        </a:blipFill>
+        <a:effectLst/>
+      </p:bgPr>
+    </p:bg>
+    <p:spTree>
+      <p:nvGrpSpPr>
+        <p:cNvPr id="1" name=""/>
+        <p:cNvGrpSpPr/>
+        <p:nvPr/>
+      </p:nvGrpSpPr>
+      <p:grpSpPr>
+        <a:xfrm>
+          <a:off x="0" y="0"/>
+          <a:ext cx="0" cy="0"/>
+          <a:chOff x="0" y="0"/>
+          <a:chExt cx="0" cy="0"/>
+        </a:xfrm>
+      </p:grpSpPr>
+      <p:sp>
+        <p:nvSpPr>
+          <p:cNvPr id="3" name="Rectangle 2"/>
+          <p:cNvSpPr/>
+          <p:nvPr/>
+        </p:nvSpPr>
+        <p:spPr>
+          <a:xfrm>
+            <a:off x="418194" y="0"/>
+            <a:ext cx="8005369" cy="2585323"/>
+          </a:xfrm>
+          <a:prstGeom prst="rect">
+            <a:avLst/>
+          </a:prstGeom>
+          <a:noFill/>
+        </p:spPr>
+        <p:txBody>
+          <a:bodyPr wrap="square" lIns="91440" tIns="45720" rIns="91440" bIns="45720">
+            <a:spAutoFit/>
+          </a:bodyPr>
+          <a:lstStyle/>
+          <a:p>
+            <a:pPr>
+              <a:lnSpc>
+                <a:spcPct val="150000"/>
+              </a:lnSpc>
+            </a:pPr>
+            <a:r>
+              <a:rPr lang="en-US" sz="3800" dirty="0" smtClean="0"/>
+              <a:t>Publisher/User -&gt; </a:t>
+            </a:r>
+          </a:p>
+          <a:p>
+            <a:pPr>
+              <a:lnSpc>
+                <a:spcPct val="150000"/>
+              </a:lnSpc>
+            </a:pPr>
+            <a:r>
+              <a:rPr lang="en-US" sz="3800" dirty="0" smtClean="0"/>
+              <a:t>View </a:t>
+            </a:r>
+            <a:r>
+              <a:rPr lang="en-US" sz="3800" dirty="0" err="1" smtClean="0"/>
+              <a:t>Jornals</a:t>
+            </a:r>
+            <a:endParaRPr lang="en-US" sz="3800" dirty="0"/>
+          </a:p>
+          <a:p>
+            <a:pPr algn="ctr"/>
+            <a:r>
+              <a:rPr lang="en-US" sz="4800" dirty="0" smtClean="0"/>
+              <a:t> </a:t>
+            </a:r>
+            <a:endParaRPr lang="en-US" sz="4800" b="0" cap="none" spc="0" dirty="0">
+              <a:ln w="0"/>
+              <a:solidFill>
+                <a:schemeClr val="tx1"/>
+              </a:solidFill>
+              <a:effectLst>
+                <a:outerShdw blurRad="38100" dist="19050" dir="2700000" algn="tl" rotWithShape="0">
+                  <a:schemeClr val="dk1">
+                    <a:alpha val="40000"/>
+                  </a:schemeClr>
+                </a:outerShdw>
+              </a:effectLst>
+            </a:endParaRPr>
+          </a:p>
+        </p:txBody>
+      </p:sp>
+      <p:pic>
+        <p:nvPicPr>
+          <p:cNvPr id="4" name="Picture 3"/>
+          <p:cNvPicPr>
+            <a:picLocks noChangeAspect="1"/>
+          </p:cNvPicPr>
+          <p:nvPr/>
+        </p:nvPicPr>
+        <p:blipFill>
+          <a:blip r:embed="rId3"/>
+          <a:stretch>
+            <a:fillRect/>
+          </a:stretch>
+        </p:blipFill>
+        <p:spPr>
+          <a:xfrm>
+            <a:off x="5756997" y="0"/>
+            <a:ext cx="6241040" cy="6696487"/>
+          </a:xfrm>
+          <a:prstGeom prst="rect">
+            <a:avLst/>
+          </a:prstGeom>
+        </p:spPr>
+      </p:pic>
+    </p:spTree>
+    <p:extLst>
+      <p:ext uri="{BB962C8B-B14F-4D97-AF65-F5344CB8AC3E}">
+        <p14:creationId xmlns:p14="http://schemas.microsoft.com/office/powerpoint/2010/main" val="879884457"/>
+      </p:ext>
+    </p:extLst>
+  </p:cSld>
+  <p:clrMapOvr>
+    <a:masterClrMapping/>
+  </p:clrMapOvr>
+  <p:timing>
+    <p:tnLst>
+      <p:par>
+        <p:cTn id="1" dur="indefinite" restart="never" nodeType="tmRoot"/>
+      </p:par>
+    </p:tnLst>
+  </p:timing>
+</p:sld>
+</file>
+
 <file path=ppt/slides/slide2.xml><?xml version="1.0" encoding="utf-8"?>
 <p:sld xmlns:a="http://schemas.openxmlformats.org/drawingml/2006/main" xmlns:r="http://schemas.openxmlformats.org/officeDocument/2006/relationships" xmlns:p="http://schemas.openxmlformats.org/presentationml/2006/main">
   <p:cSld>
@@ -3225,7 +4099,7 @@
         </p:nvSpPr>
         <p:spPr>
           <a:xfrm>
-            <a:off x="633046" y="2179544"/>
+            <a:off x="376625" y="724816"/>
             <a:ext cx="11141613" cy="1077218"/>
           </a:xfrm>
           <a:prstGeom prst="rect">
@@ -3276,6 +4150,36 @@
           </a:p>
         </p:txBody>
       </p:sp>
+      <p:pic>
+        <p:nvPicPr>
+          <p:cNvPr id="2" name="Picture 1"/>
+          <p:cNvPicPr>
+            <a:picLocks noChangeAspect="1"/>
+          </p:cNvPicPr>
+          <p:nvPr/>
+        </p:nvPicPr>
+        <p:blipFill>
+          <a:blip r:embed="rId3" cstate="print">
+            <a:extLst>
+              <a:ext uri="{28A0092B-C50C-407E-A947-70E740481C1C}">
+                <a14:useLocalDpi xmlns:a14="http://schemas.microsoft.com/office/drawing/2010/main" val="0"/>
+              </a:ext>
+            </a:extLst>
+          </a:blip>
+          <a:stretch>
+            <a:fillRect/>
+          </a:stretch>
+        </p:blipFill>
+        <p:spPr>
+          <a:xfrm>
+            <a:off x="3768657" y="2395278"/>
+            <a:ext cx="4357548" cy="2633922"/>
+          </a:xfrm>
+          <a:prstGeom prst="rect">
+            <a:avLst/>
+          </a:prstGeom>
+        </p:spPr>
+      </p:pic>
     </p:spTree>
     <p:extLst>
       <p:ext uri="{BB962C8B-B14F-4D97-AF65-F5344CB8AC3E}">
@@ -3336,7 +4240,7 @@
         <p:spPr>
           <a:xfrm>
             <a:off x="168812" y="477353"/>
-            <a:ext cx="2250831" cy="830997"/>
+            <a:ext cx="2250831" cy="677108"/>
           </a:xfrm>
           <a:prstGeom prst="rect">
             <a:avLst/>
@@ -3351,8 +4255,288 @@
           <a:p>
             <a:pPr algn="ctr"/>
             <a:r>
+              <a:rPr lang="en-US" sz="3800" dirty="0" smtClean="0"/>
+              <a:t>Agenda </a:t>
+            </a:r>
+            <a:endParaRPr lang="en-US" sz="3800" b="0" cap="none" spc="0" dirty="0">
+              <a:ln w="0"/>
+              <a:solidFill>
+                <a:schemeClr val="tx1"/>
+              </a:solidFill>
+              <a:effectLst>
+                <a:outerShdw blurRad="38100" dist="19050" dir="2700000" algn="tl" rotWithShape="0">
+                  <a:schemeClr val="dk1">
+                    <a:alpha val="40000"/>
+                  </a:schemeClr>
+                </a:outerShdw>
+              </a:effectLst>
+            </a:endParaRPr>
+          </a:p>
+        </p:txBody>
+      </p:sp>
+      <p:sp>
+        <p:nvSpPr>
+          <p:cNvPr id="4" name="Rectangle 3"/>
+          <p:cNvSpPr/>
+          <p:nvPr/>
+        </p:nvSpPr>
+        <p:spPr>
+          <a:xfrm>
+            <a:off x="490664" y="1631749"/>
+            <a:ext cx="4441555" cy="4154984"/>
+          </a:xfrm>
+          <a:prstGeom prst="rect">
+            <a:avLst/>
+          </a:prstGeom>
+          <a:noFill/>
+        </p:spPr>
+        <p:txBody>
+          <a:bodyPr wrap="square" lIns="91440" tIns="45720" rIns="91440" bIns="45720">
+            <a:spAutoFit/>
+          </a:bodyPr>
+          <a:lstStyle/>
+          <a:p>
+            <a:pPr marL="457200" indent="-457200">
+              <a:lnSpc>
+                <a:spcPct val="150000"/>
+              </a:lnSpc>
+              <a:buFont typeface="+mj-lt"/>
+              <a:buAutoNum type="arabicPeriod"/>
+            </a:pPr>
+            <a:r>
+              <a:rPr lang="en-US" sz="2200" dirty="0" smtClean="0"/>
+              <a:t>Project </a:t>
+            </a:r>
+            <a:r>
+              <a:rPr lang="en-US" sz="2200" dirty="0"/>
+              <a:t>Goals and </a:t>
+            </a:r>
+            <a:r>
+              <a:rPr lang="en-US" sz="2200" dirty="0" smtClean="0"/>
+              <a:t>Objectives</a:t>
+            </a:r>
+          </a:p>
+          <a:p>
+            <a:pPr marL="457200" indent="-457200">
+              <a:lnSpc>
+                <a:spcPct val="150000"/>
+              </a:lnSpc>
+              <a:buFont typeface="+mj-lt"/>
+              <a:buAutoNum type="arabicPeriod"/>
+            </a:pPr>
+            <a:r>
+              <a:rPr lang="en-US" sz="2200" dirty="0"/>
+              <a:t>Technical Details</a:t>
+            </a:r>
+          </a:p>
+          <a:p>
+            <a:pPr marL="457200" indent="-457200">
+              <a:lnSpc>
+                <a:spcPct val="150000"/>
+              </a:lnSpc>
+              <a:buFont typeface="+mj-lt"/>
+              <a:buAutoNum type="arabicPeriod"/>
+            </a:pPr>
+            <a:r>
+              <a:rPr lang="en-US" sz="2200" dirty="0"/>
+              <a:t>Demo </a:t>
+            </a:r>
+            <a:endParaRPr lang="en-US" sz="2200" dirty="0" smtClean="0"/>
+          </a:p>
+          <a:p>
+            <a:pPr marL="457200" indent="-457200">
+              <a:lnSpc>
+                <a:spcPct val="150000"/>
+              </a:lnSpc>
+              <a:buFont typeface="+mj-lt"/>
+              <a:buAutoNum type="arabicPeriod"/>
+            </a:pPr>
+            <a:r>
+              <a:rPr lang="en-US" sz="2200" dirty="0" smtClean="0"/>
+              <a:t>Methodology </a:t>
+            </a:r>
+            <a:r>
+              <a:rPr lang="en-US" sz="2200" dirty="0" smtClean="0"/>
+              <a:t>(Design Pattern)</a:t>
+            </a:r>
+          </a:p>
+          <a:p>
+            <a:pPr marL="457200" indent="-457200">
+              <a:lnSpc>
+                <a:spcPct val="150000"/>
+              </a:lnSpc>
+              <a:buFont typeface="+mj-lt"/>
+              <a:buAutoNum type="arabicPeriod"/>
+            </a:pPr>
+            <a:r>
+              <a:rPr lang="en-US" sz="2200" dirty="0"/>
+              <a:t>Architecture</a:t>
+            </a:r>
+          </a:p>
+          <a:p>
+            <a:pPr marL="457200" indent="-457200">
+              <a:lnSpc>
+                <a:spcPct val="150000"/>
+              </a:lnSpc>
+              <a:buFont typeface="+mj-lt"/>
+              <a:buAutoNum type="arabicPeriod"/>
+            </a:pPr>
+            <a:r>
+              <a:rPr lang="en-US" sz="2200" dirty="0" smtClean="0"/>
+              <a:t>Project </a:t>
+            </a:r>
+            <a:r>
+              <a:rPr lang="en-US" sz="2200" dirty="0" smtClean="0"/>
+              <a:t>Components</a:t>
+            </a:r>
+          </a:p>
+          <a:p>
+            <a:pPr marL="457200" indent="-457200">
+              <a:lnSpc>
+                <a:spcPct val="150000"/>
+              </a:lnSpc>
+              <a:buFont typeface="+mj-lt"/>
+              <a:buAutoNum type="arabicPeriod"/>
+            </a:pPr>
+            <a:r>
+              <a:rPr lang="en-US" sz="2200" dirty="0" smtClean="0"/>
+              <a:t>Future </a:t>
+            </a:r>
+            <a:r>
+              <a:rPr lang="en-US" sz="2200" dirty="0" smtClean="0"/>
+              <a:t>Scope</a:t>
+            </a:r>
+          </a:p>
+          <a:p>
+            <a:pPr marL="457200" indent="-457200">
+              <a:lnSpc>
+                <a:spcPct val="150000"/>
+              </a:lnSpc>
+              <a:buFont typeface="+mj-lt"/>
+              <a:buAutoNum type="arabicPeriod"/>
+            </a:pPr>
+            <a:r>
+              <a:rPr lang="en-US" sz="2200" dirty="0" smtClean="0"/>
+              <a:t>Conclusion and Thanks you</a:t>
+            </a:r>
+            <a:endParaRPr lang="en-US" sz="2200" dirty="0"/>
+          </a:p>
+        </p:txBody>
+      </p:sp>
+      <p:pic>
+        <p:nvPicPr>
+          <p:cNvPr id="2" name="Picture 1"/>
+          <p:cNvPicPr>
+            <a:picLocks noChangeAspect="1"/>
+          </p:cNvPicPr>
+          <p:nvPr/>
+        </p:nvPicPr>
+        <p:blipFill>
+          <a:blip r:embed="rId3" cstate="print">
+            <a:extLst>
+              <a:ext uri="{28A0092B-C50C-407E-A947-70E740481C1C}">
+                <a14:useLocalDpi xmlns:a14="http://schemas.microsoft.com/office/drawing/2010/main" val="0"/>
+              </a:ext>
+            </a:extLst>
+          </a:blip>
+          <a:stretch>
+            <a:fillRect/>
+          </a:stretch>
+        </p:blipFill>
+        <p:spPr>
+          <a:xfrm>
+            <a:off x="10417954" y="134794"/>
+            <a:ext cx="1774046" cy="1774046"/>
+          </a:xfrm>
+          <a:prstGeom prst="rect">
+            <a:avLst/>
+          </a:prstGeom>
+        </p:spPr>
+      </p:pic>
+    </p:spTree>
+    <p:extLst>
+      <p:ext uri="{BB962C8B-B14F-4D97-AF65-F5344CB8AC3E}">
+        <p14:creationId xmlns:p14="http://schemas.microsoft.com/office/powerpoint/2010/main" val="2857799308"/>
+      </p:ext>
+    </p:extLst>
+  </p:cSld>
+  <p:clrMapOvr>
+    <a:masterClrMapping/>
+  </p:clrMapOvr>
+  <p:timing>
+    <p:tnLst>
+      <p:par>
+        <p:cTn id="1" dur="indefinite" restart="never" nodeType="tmRoot"/>
+      </p:par>
+    </p:tnLst>
+  </p:timing>
+</p:sld>
+</file>
+
+<file path=ppt/slides/slide4.xml><?xml version="1.0" encoding="utf-8"?>
+<p:sld xmlns:a="http://schemas.openxmlformats.org/drawingml/2006/main" xmlns:r="http://schemas.openxmlformats.org/officeDocument/2006/relationships" xmlns:p="http://schemas.openxmlformats.org/presentationml/2006/main">
+  <p:cSld>
+    <p:bg>
+      <p:bgPr>
+        <a:blipFill dpi="0" rotWithShape="1">
+          <a:blip r:embed="rId2">
+            <a:lum/>
+          </a:blip>
+          <a:srcRect/>
+          <a:stretch>
+            <a:fillRect t="-17000" b="-17000"/>
+          </a:stretch>
+        </a:blipFill>
+        <a:effectLst/>
+      </p:bgPr>
+    </p:bg>
+    <p:spTree>
+      <p:nvGrpSpPr>
+        <p:cNvPr id="1" name=""/>
+        <p:cNvGrpSpPr/>
+        <p:nvPr/>
+      </p:nvGrpSpPr>
+      <p:grpSpPr>
+        <a:xfrm>
+          <a:off x="0" y="0"/>
+          <a:ext cx="0" cy="0"/>
+          <a:chOff x="0" y="0"/>
+          <a:chExt cx="0" cy="0"/>
+        </a:xfrm>
+      </p:grpSpPr>
+      <p:sp>
+        <p:nvSpPr>
+          <p:cNvPr id="3" name="Rectangle 2"/>
+          <p:cNvSpPr/>
+          <p:nvPr/>
+        </p:nvSpPr>
+        <p:spPr>
+          <a:xfrm>
+            <a:off x="141103" y="338808"/>
+            <a:ext cx="6522933" cy="1415772"/>
+          </a:xfrm>
+          <a:prstGeom prst="rect">
+            <a:avLst/>
+          </a:prstGeom>
+          <a:noFill/>
+        </p:spPr>
+        <p:txBody>
+          <a:bodyPr wrap="square" lIns="91440" tIns="45720" rIns="91440" bIns="45720">
+            <a:spAutoFit/>
+          </a:bodyPr>
+          <a:lstStyle/>
+          <a:p>
+            <a:pPr algn="ctr"/>
+            <a:r>
+              <a:rPr lang="en-US" sz="3800" dirty="0"/>
+              <a:t>Project Goals and Objectives</a:t>
+            </a:r>
+          </a:p>
+          <a:p>
+            <a:pPr algn="ctr"/>
+            <a:r>
               <a:rPr lang="en-US" sz="4800" dirty="0" smtClean="0"/>
-              <a:t>Agenda </a:t>
+              <a:t> </a:t>
             </a:r>
             <a:endParaRPr lang="en-US" sz="4800" b="0" cap="none" spc="0" dirty="0">
               <a:ln w="0"/>
@@ -3378,8 +4562,8 @@
         </p:nvSpPr>
         <p:spPr>
           <a:xfrm>
-            <a:off x="1294227" y="1698897"/>
-            <a:ext cx="5880296" cy="4524315"/>
+            <a:off x="471054" y="1133356"/>
+            <a:ext cx="8922330" cy="5724644"/>
           </a:xfrm>
           <a:prstGeom prst="rect">
             <a:avLst/>
@@ -3391,6 +4575,141 @@
             <a:spAutoFit/>
           </a:bodyPr>
           <a:lstStyle/>
+          <a:p>
+            <a:pPr>
+              <a:lnSpc>
+                <a:spcPct val="150000"/>
+              </a:lnSpc>
+            </a:pPr>
+            <a:r>
+              <a:rPr lang="en-US" sz="2200" dirty="0" smtClean="0"/>
+              <a:t>The </a:t>
+            </a:r>
+            <a:r>
+              <a:rPr lang="en-US" sz="2200" dirty="0"/>
+              <a:t>system allows publishing and subscribing to Health Journals in a secure way. The system implements the following specifications</a:t>
+            </a:r>
+            <a:r>
+              <a:rPr lang="en-US" sz="2200" dirty="0" smtClean="0"/>
+              <a:t>.</a:t>
+            </a:r>
+          </a:p>
+          <a:p>
+            <a:pPr>
+              <a:lnSpc>
+                <a:spcPct val="150000"/>
+              </a:lnSpc>
+            </a:pPr>
+            <a:endParaRPr lang="en-US" sz="2200" dirty="0"/>
+          </a:p>
+          <a:p>
+            <a:pPr marL="457200" lvl="0" indent="-457200">
+              <a:lnSpc>
+                <a:spcPct val="150000"/>
+              </a:lnSpc>
+              <a:buAutoNum type="arabicPeriod"/>
+            </a:pPr>
+            <a:r>
+              <a:rPr lang="en-US" sz="2200" dirty="0" smtClean="0"/>
+              <a:t>For publishers</a:t>
+            </a:r>
+          </a:p>
+          <a:p>
+            <a:pPr marL="914400" lvl="1" indent="-457200">
+              <a:lnSpc>
+                <a:spcPct val="150000"/>
+              </a:lnSpc>
+              <a:buAutoNum type="arabicPeriod"/>
+            </a:pPr>
+            <a:r>
+              <a:rPr lang="en-US" sz="2200" dirty="0" smtClean="0"/>
+              <a:t>Web </a:t>
+            </a:r>
+            <a:r>
+              <a:rPr lang="en-US" sz="2200" dirty="0"/>
+              <a:t>portal to upload and manage list of health and fitness </a:t>
+            </a:r>
+            <a:r>
+              <a:rPr lang="en-US" sz="2200" dirty="0" smtClean="0"/>
+              <a:t>Journals.</a:t>
+            </a:r>
+          </a:p>
+          <a:p>
+            <a:pPr marL="914400" lvl="1" indent="-457200">
+              <a:lnSpc>
+                <a:spcPct val="150000"/>
+              </a:lnSpc>
+              <a:buAutoNum type="arabicPeriod"/>
+            </a:pPr>
+            <a:r>
+              <a:rPr lang="en-US" sz="2200" dirty="0" smtClean="0"/>
+              <a:t>Supported </a:t>
+            </a:r>
+            <a:r>
+              <a:rPr lang="en-US" sz="2200" dirty="0"/>
+              <a:t>format for health Journal </a:t>
+            </a:r>
+            <a:r>
+              <a:rPr lang="en-US" sz="2200" dirty="0" smtClean="0"/>
+              <a:t>– Pdf</a:t>
+            </a:r>
+          </a:p>
+          <a:p>
+            <a:pPr marL="457200" indent="-457200">
+              <a:lnSpc>
+                <a:spcPct val="150000"/>
+              </a:lnSpc>
+              <a:buAutoNum type="arabicPeriod"/>
+            </a:pPr>
+            <a:r>
+              <a:rPr lang="en-US" sz="2200" dirty="0" smtClean="0"/>
+              <a:t>For </a:t>
+            </a:r>
+            <a:r>
+              <a:rPr lang="en-US" sz="2200" dirty="0"/>
+              <a:t>public </a:t>
+            </a:r>
+            <a:r>
+              <a:rPr lang="en-US" sz="2200" dirty="0" smtClean="0"/>
+              <a:t>users</a:t>
+            </a:r>
+          </a:p>
+          <a:p>
+            <a:pPr marL="914400" lvl="1" indent="-457200">
+              <a:lnSpc>
+                <a:spcPct val="150000"/>
+              </a:lnSpc>
+              <a:buAutoNum type="arabicPeriod"/>
+            </a:pPr>
+            <a:r>
+              <a:rPr lang="en-US" sz="2200" dirty="0" smtClean="0"/>
+              <a:t>Web </a:t>
+            </a:r>
+            <a:r>
+              <a:rPr lang="en-US" sz="2200" dirty="0"/>
+              <a:t>portal to find and subscribe to health </a:t>
+            </a:r>
+            <a:r>
+              <a:rPr lang="en-US" sz="2200" dirty="0" smtClean="0"/>
+              <a:t>Journal.</a:t>
+            </a:r>
+          </a:p>
+          <a:p>
+            <a:pPr marL="914400" lvl="1" indent="-457200">
+              <a:lnSpc>
+                <a:spcPct val="150000"/>
+              </a:lnSpc>
+              <a:buAutoNum type="arabicPeriod"/>
+            </a:pPr>
+            <a:r>
+              <a:rPr lang="en-US" sz="2200" dirty="0" smtClean="0"/>
+              <a:t>Once </a:t>
+            </a:r>
+            <a:r>
+              <a:rPr lang="en-US" sz="2200" dirty="0"/>
+              <a:t>subscribed the users are able to browse and read health Journals online.</a:t>
+            </a:r>
+          </a:p>
           <a:p>
             <a:pPr marL="457200" indent="-457200">
               <a:lnSpc>
@@ -3399,17 +4718,398 @@
               <a:buFont typeface="+mj-lt"/>
               <a:buAutoNum type="arabicPeriod"/>
             </a:pPr>
-            <a:r>
-              <a:rPr lang="en-US" sz="2400" dirty="0" smtClean="0"/>
-              <a:t>Project </a:t>
-            </a:r>
-            <a:r>
-              <a:rPr lang="en-US" sz="2400" dirty="0"/>
-              <a:t>Goals and </a:t>
-            </a:r>
-            <a:r>
-              <a:rPr lang="en-US" sz="2400" dirty="0" smtClean="0"/>
-              <a:t>Objectives</a:t>
+            <a:endParaRPr lang="en-US" sz="2400" dirty="0" smtClean="0"/>
+          </a:p>
+        </p:txBody>
+      </p:sp>
+      <p:pic>
+        <p:nvPicPr>
+          <p:cNvPr id="2" name="Picture 1"/>
+          <p:cNvPicPr>
+            <a:picLocks noChangeAspect="1"/>
+          </p:cNvPicPr>
+          <p:nvPr/>
+        </p:nvPicPr>
+        <p:blipFill>
+          <a:blip r:embed="rId3" cstate="print">
+            <a:extLst>
+              <a:ext uri="{28A0092B-C50C-407E-A947-70E740481C1C}">
+                <a14:useLocalDpi xmlns:a14="http://schemas.microsoft.com/office/drawing/2010/main" val="0"/>
+              </a:ext>
+            </a:extLst>
+          </a:blip>
+          <a:stretch>
+            <a:fillRect/>
+          </a:stretch>
+        </p:blipFill>
+        <p:spPr>
+          <a:xfrm>
+            <a:off x="10147826" y="155239"/>
+            <a:ext cx="1891774" cy="1891774"/>
+          </a:xfrm>
+          <a:prstGeom prst="rect">
+            <a:avLst/>
+          </a:prstGeom>
+        </p:spPr>
+      </p:pic>
+    </p:spTree>
+    <p:extLst>
+      <p:ext uri="{BB962C8B-B14F-4D97-AF65-F5344CB8AC3E}">
+        <p14:creationId xmlns:p14="http://schemas.microsoft.com/office/powerpoint/2010/main" val="1088642546"/>
+      </p:ext>
+    </p:extLst>
+  </p:cSld>
+  <p:clrMapOvr>
+    <a:masterClrMapping/>
+  </p:clrMapOvr>
+  <p:timing>
+    <p:tnLst>
+      <p:par>
+        <p:cTn id="1" dur="indefinite" restart="never" nodeType="tmRoot"/>
+      </p:par>
+    </p:tnLst>
+  </p:timing>
+</p:sld>
+</file>
+
+<file path=ppt/slides/slide5.xml><?xml version="1.0" encoding="utf-8"?>
+<p:sld xmlns:a="http://schemas.openxmlformats.org/drawingml/2006/main" xmlns:r="http://schemas.openxmlformats.org/officeDocument/2006/relationships" xmlns:p="http://schemas.openxmlformats.org/presentationml/2006/main">
+  <p:cSld>
+    <p:bg>
+      <p:bgPr>
+        <a:blipFill dpi="0" rotWithShape="1">
+          <a:blip r:embed="rId2">
+            <a:lum/>
+          </a:blip>
+          <a:srcRect/>
+          <a:stretch>
+            <a:fillRect t="-17000" b="-17000"/>
+          </a:stretch>
+        </a:blipFill>
+        <a:effectLst/>
+      </p:bgPr>
+    </p:bg>
+    <p:spTree>
+      <p:nvGrpSpPr>
+        <p:cNvPr id="1" name=""/>
+        <p:cNvGrpSpPr/>
+        <p:nvPr/>
+      </p:nvGrpSpPr>
+      <p:grpSpPr>
+        <a:xfrm>
+          <a:off x="0" y="0"/>
+          <a:ext cx="0" cy="0"/>
+          <a:chOff x="0" y="0"/>
+          <a:chExt cx="0" cy="0"/>
+        </a:xfrm>
+      </p:grpSpPr>
+      <p:sp>
+        <p:nvSpPr>
+          <p:cNvPr id="3" name="Rectangle 2"/>
+          <p:cNvSpPr/>
+          <p:nvPr/>
+        </p:nvSpPr>
+        <p:spPr>
+          <a:xfrm>
+            <a:off x="279649" y="130989"/>
+            <a:ext cx="7672861" cy="1708160"/>
+          </a:xfrm>
+          <a:prstGeom prst="rect">
+            <a:avLst/>
+          </a:prstGeom>
+          <a:noFill/>
+        </p:spPr>
+        <p:txBody>
+          <a:bodyPr wrap="square" lIns="91440" tIns="45720" rIns="91440" bIns="45720">
+            <a:spAutoFit/>
+          </a:bodyPr>
+          <a:lstStyle/>
+          <a:p>
+            <a:pPr>
+              <a:lnSpc>
+                <a:spcPct val="150000"/>
+              </a:lnSpc>
+            </a:pPr>
+            <a:r>
+              <a:rPr lang="en-US" sz="3800" dirty="0"/>
+              <a:t>Technical Details</a:t>
+            </a:r>
+          </a:p>
+          <a:p>
+            <a:pPr algn="ctr"/>
+            <a:r>
+              <a:rPr lang="en-US" sz="4800" dirty="0" smtClean="0"/>
+              <a:t> </a:t>
+            </a:r>
+            <a:endParaRPr lang="en-US" sz="4800" b="0" cap="none" spc="0" dirty="0">
+              <a:ln w="0"/>
+              <a:solidFill>
+                <a:schemeClr val="tx1"/>
+              </a:solidFill>
+              <a:effectLst>
+                <a:outerShdw blurRad="38100" dist="19050" dir="2700000" algn="tl" rotWithShape="0">
+                  <a:schemeClr val="dk1">
+                    <a:alpha val="40000"/>
+                  </a:schemeClr>
+                </a:outerShdw>
+              </a:effectLst>
+            </a:endParaRPr>
+          </a:p>
+        </p:txBody>
+      </p:sp>
+      <p:sp>
+        <p:nvSpPr>
+          <p:cNvPr id="4" name="Rectangle 3"/>
+          <p:cNvSpPr/>
+          <p:nvPr/>
+        </p:nvSpPr>
+        <p:spPr>
+          <a:xfrm>
+            <a:off x="429490" y="1795877"/>
+            <a:ext cx="6359237" cy="2997795"/>
+          </a:xfrm>
+          <a:prstGeom prst="rect">
+            <a:avLst/>
+          </a:prstGeom>
+          <a:noFill/>
+        </p:spPr>
+        <p:txBody>
+          <a:bodyPr wrap="square" lIns="91440" tIns="45720" rIns="91440" bIns="45720">
+            <a:spAutoFit/>
+          </a:bodyPr>
+          <a:lstStyle/>
+          <a:p>
+            <a:pPr>
+              <a:lnSpc>
+                <a:spcPct val="150000"/>
+              </a:lnSpc>
+            </a:pPr>
+            <a:r>
+              <a:rPr lang="en-US" sz="3400" dirty="0"/>
+              <a:t>Framework</a:t>
+            </a:r>
+            <a:r>
+              <a:rPr lang="en-US" sz="3600" dirty="0"/>
+              <a:t> </a:t>
+            </a:r>
+          </a:p>
+          <a:p>
+            <a:pPr>
+              <a:lnSpc>
+                <a:spcPct val="150000"/>
+              </a:lnSpc>
+            </a:pPr>
+            <a:r>
+              <a:rPr lang="en-US" sz="2200" dirty="0" smtClean="0"/>
+              <a:t>Front </a:t>
+            </a:r>
+            <a:r>
+              <a:rPr lang="en-US" sz="2200" dirty="0"/>
+              <a:t>End : .NET Razor Pages </a:t>
+            </a:r>
+          </a:p>
+          <a:p>
+            <a:pPr>
+              <a:lnSpc>
+                <a:spcPct val="150000"/>
+              </a:lnSpc>
+            </a:pPr>
+            <a:r>
+              <a:rPr lang="en-US" sz="2200" dirty="0"/>
+              <a:t>Back End Service : .NET 7 Web API</a:t>
+            </a:r>
+          </a:p>
+          <a:p>
+            <a:pPr>
+              <a:lnSpc>
+                <a:spcPct val="150000"/>
+              </a:lnSpc>
+            </a:pPr>
+            <a:r>
+              <a:rPr lang="en-US" sz="2200" dirty="0"/>
+              <a:t>Database : </a:t>
+            </a:r>
+            <a:r>
+              <a:rPr lang="en-US" sz="2200" dirty="0" smtClean="0"/>
+              <a:t>SQL Server</a:t>
+            </a:r>
+          </a:p>
+          <a:p>
+            <a:pPr>
+              <a:lnSpc>
+                <a:spcPct val="150000"/>
+              </a:lnSpc>
+            </a:pPr>
+            <a:endParaRPr lang="en-US" sz="2400" dirty="0" smtClean="0"/>
+          </a:p>
+        </p:txBody>
+      </p:sp>
+      <p:pic>
+        <p:nvPicPr>
+          <p:cNvPr id="5" name="Picture 4"/>
+          <p:cNvPicPr>
+            <a:picLocks noChangeAspect="1"/>
+          </p:cNvPicPr>
+          <p:nvPr/>
+        </p:nvPicPr>
+        <p:blipFill>
+          <a:blip r:embed="rId3" cstate="print">
+            <a:extLst>
+              <a:ext uri="{28A0092B-C50C-407E-A947-70E740481C1C}">
+                <a14:useLocalDpi xmlns:a14="http://schemas.microsoft.com/office/drawing/2010/main" val="0"/>
+              </a:ext>
+            </a:extLst>
+          </a:blip>
+          <a:stretch>
+            <a:fillRect/>
+          </a:stretch>
+        </p:blipFill>
+        <p:spPr>
+          <a:xfrm>
+            <a:off x="9351820" y="407653"/>
+            <a:ext cx="2535382" cy="2028305"/>
+          </a:xfrm>
+          <a:prstGeom prst="rect">
+            <a:avLst/>
+          </a:prstGeom>
+        </p:spPr>
+      </p:pic>
+    </p:spTree>
+    <p:extLst>
+      <p:ext uri="{BB962C8B-B14F-4D97-AF65-F5344CB8AC3E}">
+        <p14:creationId xmlns:p14="http://schemas.microsoft.com/office/powerpoint/2010/main" val="3199185677"/>
+      </p:ext>
+    </p:extLst>
+  </p:cSld>
+  <p:clrMapOvr>
+    <a:masterClrMapping/>
+  </p:clrMapOvr>
+  <p:timing>
+    <p:tnLst>
+      <p:par>
+        <p:cTn id="1" dur="indefinite" restart="never" nodeType="tmRoot"/>
+      </p:par>
+    </p:tnLst>
+  </p:timing>
+</p:sld>
+</file>
+
+<file path=ppt/slides/slide6.xml><?xml version="1.0" encoding="utf-8"?>
+<p:sld xmlns:a="http://schemas.openxmlformats.org/drawingml/2006/main" xmlns:r="http://schemas.openxmlformats.org/officeDocument/2006/relationships" xmlns:p="http://schemas.openxmlformats.org/presentationml/2006/main">
+  <p:cSld>
+    <p:bg>
+      <p:bgPr>
+        <a:blipFill dpi="0" rotWithShape="1">
+          <a:blip r:embed="rId2">
+            <a:lum/>
+          </a:blip>
+          <a:srcRect/>
+          <a:stretch>
+            <a:fillRect t="-17000" b="-17000"/>
+          </a:stretch>
+        </a:blipFill>
+        <a:effectLst/>
+      </p:bgPr>
+    </p:bg>
+    <p:spTree>
+      <p:nvGrpSpPr>
+        <p:cNvPr id="1" name=""/>
+        <p:cNvGrpSpPr/>
+        <p:nvPr/>
+      </p:nvGrpSpPr>
+      <p:grpSpPr>
+        <a:xfrm>
+          <a:off x="0" y="0"/>
+          <a:ext cx="0" cy="0"/>
+          <a:chOff x="0" y="0"/>
+          <a:chExt cx="0" cy="0"/>
+        </a:xfrm>
+      </p:grpSpPr>
+      <p:sp>
+        <p:nvSpPr>
+          <p:cNvPr id="3" name="Rectangle 2"/>
+          <p:cNvSpPr/>
+          <p:nvPr/>
+        </p:nvSpPr>
+        <p:spPr>
+          <a:xfrm>
+            <a:off x="279649" y="130989"/>
+            <a:ext cx="7672861" cy="1708160"/>
+          </a:xfrm>
+          <a:prstGeom prst="rect">
+            <a:avLst/>
+          </a:prstGeom>
+          <a:noFill/>
+        </p:spPr>
+        <p:txBody>
+          <a:bodyPr wrap="square" lIns="91440" tIns="45720" rIns="91440" bIns="45720">
+            <a:spAutoFit/>
+          </a:bodyPr>
+          <a:lstStyle/>
+          <a:p>
+            <a:pPr>
+              <a:lnSpc>
+                <a:spcPct val="150000"/>
+              </a:lnSpc>
+            </a:pPr>
+            <a:r>
+              <a:rPr lang="en-US" sz="3800" dirty="0" smtClean="0"/>
+              <a:t>Technical Details</a:t>
+            </a:r>
+            <a:endParaRPr lang="en-US" sz="3800" dirty="0"/>
+          </a:p>
+          <a:p>
+            <a:pPr algn="ctr"/>
+            <a:r>
+              <a:rPr lang="en-US" sz="4800" dirty="0" smtClean="0"/>
+              <a:t> </a:t>
+            </a:r>
+            <a:endParaRPr lang="en-US" sz="4800" b="0" cap="none" spc="0" dirty="0">
+              <a:ln w="0"/>
+              <a:solidFill>
+                <a:schemeClr val="tx1"/>
+              </a:solidFill>
+              <a:effectLst>
+                <a:outerShdw blurRad="38100" dist="19050" dir="2700000" algn="tl" rotWithShape="0">
+                  <a:schemeClr val="dk1">
+                    <a:alpha val="40000"/>
+                  </a:schemeClr>
+                </a:outerShdw>
+              </a:effectLst>
+            </a:endParaRPr>
+          </a:p>
+        </p:txBody>
+      </p:sp>
+      <p:sp>
+        <p:nvSpPr>
+          <p:cNvPr id="4" name="Rectangle 3"/>
+          <p:cNvSpPr/>
+          <p:nvPr/>
+        </p:nvSpPr>
+        <p:spPr>
+          <a:xfrm>
+            <a:off x="498763" y="1322158"/>
+            <a:ext cx="6511637" cy="5078313"/>
+          </a:xfrm>
+          <a:prstGeom prst="rect">
+            <a:avLst/>
+          </a:prstGeom>
+          <a:noFill/>
+        </p:spPr>
+        <p:txBody>
+          <a:bodyPr wrap="square" lIns="91440" tIns="45720" rIns="91440" bIns="45720">
+            <a:spAutoFit/>
+          </a:bodyPr>
+          <a:lstStyle/>
+          <a:p>
+            <a:pPr>
+              <a:lnSpc>
+                <a:spcPct val="150000"/>
+              </a:lnSpc>
+            </a:pPr>
+            <a:r>
+              <a:rPr lang="en-US" sz="3400" dirty="0" smtClean="0"/>
+              <a:t>Security</a:t>
             </a:r>
           </a:p>
           <a:p>
@@ -3421,8 +5121,12 @@
               <a:buAutoNum type="arabicPeriod"/>
             </a:pPr>
             <a:r>
-              <a:rPr lang="en-US" sz="2400" dirty="0"/>
-              <a:t>Technical Details</a:t>
+              <a:rPr lang="en-US" sz="2000" dirty="0" smtClean="0"/>
+              <a:t>Salt </a:t>
+            </a:r>
+            <a:r>
+              <a:rPr lang="en-US" sz="2000" dirty="0"/>
+              <a:t>and hashed password stored in database</a:t>
             </a:r>
           </a:p>
           <a:p>
@@ -3434,9 +5138,10 @@
               <a:buAutoNum type="arabicPeriod"/>
             </a:pPr>
             <a:r>
-              <a:rPr lang="en-US" sz="2400" dirty="0" smtClean="0"/>
-              <a:t>Methodology (Design Pattern)</a:t>
-            </a:r>
+              <a:rPr lang="en-US" sz="2000" dirty="0" err="1" smtClean="0"/>
+              <a:t>AntiForgeryToken</a:t>
+            </a:r>
+            <a:endParaRPr lang="en-US" sz="2000" dirty="0"/>
           </a:p>
           <a:p>
             <a:pPr marL="457200" indent="-457200">
@@ -3447,13 +5152,14 @@
               <a:buAutoNum type="arabicPeriod"/>
             </a:pPr>
             <a:r>
-              <a:rPr lang="en-US" sz="2400" dirty="0"/>
-              <a:t>Project </a:t>
-            </a:r>
-            <a:r>
-              <a:rPr lang="en-US" sz="2400" dirty="0" smtClean="0"/>
-              <a:t>Components</a:t>
-            </a:r>
+              <a:rPr lang="en-US" sz="2000" dirty="0" smtClean="0"/>
+              <a:t>Client side as well as Server </a:t>
+            </a:r>
+            <a:r>
+              <a:rPr lang="en-US" sz="2000" dirty="0"/>
+              <a:t>side validation </a:t>
+            </a:r>
+            <a:endParaRPr lang="en-US" sz="2000" dirty="0" smtClean="0"/>
           </a:p>
           <a:p>
             <a:pPr marL="457200" indent="-457200">
@@ -3464,8 +5170,12 @@
               <a:buAutoNum type="arabicPeriod"/>
             </a:pPr>
             <a:r>
-              <a:rPr lang="en-US" sz="2400" dirty="0" smtClean="0"/>
-              <a:t>Architecture</a:t>
+              <a:rPr lang="en-US" sz="2000" dirty="0" smtClean="0"/>
+              <a:t>URL </a:t>
+            </a:r>
+            <a:r>
+              <a:rPr lang="en-US" sz="2000" dirty="0"/>
+              <a:t>Encoding</a:t>
             </a:r>
           </a:p>
           <a:p>
@@ -3477,8 +5187,12 @@
               <a:buAutoNum type="arabicPeriod"/>
             </a:pPr>
             <a:r>
-              <a:rPr lang="en-US" sz="2400" dirty="0" smtClean="0"/>
-              <a:t>Demo</a:t>
+              <a:rPr lang="en-US" sz="2000" dirty="0" smtClean="0"/>
+              <a:t>JWT </a:t>
+            </a:r>
+            <a:r>
+              <a:rPr lang="en-US" sz="2000" dirty="0"/>
+              <a:t>Authentication for APIs</a:t>
             </a:r>
           </a:p>
           <a:p>
@@ -3490,8 +5204,12 @@
               <a:buAutoNum type="arabicPeriod"/>
             </a:pPr>
             <a:r>
-              <a:rPr lang="en-US" sz="2400" dirty="0" smtClean="0"/>
-              <a:t>Future Scope</a:t>
+              <a:rPr lang="en-US" sz="2000" dirty="0" smtClean="0"/>
+              <a:t>Used </a:t>
+            </a:r>
+            <a:r>
+              <a:rPr lang="en-US" sz="2000" dirty="0"/>
+              <a:t>HTTPS for secure connection</a:t>
             </a:r>
           </a:p>
           <a:p>
@@ -3503,17 +5221,484 @@
               <a:buAutoNum type="arabicPeriod"/>
             </a:pPr>
             <a:r>
-              <a:rPr lang="en-US" sz="2400" dirty="0" smtClean="0"/>
-              <a:t>Conclusion and Thanks you</a:t>
-            </a:r>
-            <a:endParaRPr lang="en-US" sz="2400" dirty="0"/>
-          </a:p>
-        </p:txBody>
-      </p:sp>
+              <a:rPr lang="en-US" sz="2000" dirty="0" smtClean="0"/>
+              <a:t>Sanitize </a:t>
+            </a:r>
+            <a:r>
+              <a:rPr lang="en-US" sz="2000" dirty="0"/>
+              <a:t>File </a:t>
+            </a:r>
+            <a:r>
+              <a:rPr lang="en-US" sz="2000" dirty="0" smtClean="0"/>
+              <a:t>Names before uploading</a:t>
+            </a:r>
+            <a:endParaRPr lang="en-US" sz="2000" dirty="0"/>
+          </a:p>
+          <a:p>
+            <a:pPr marL="457200" indent="-457200">
+              <a:lnSpc>
+                <a:spcPct val="150000"/>
+              </a:lnSpc>
+              <a:buFont typeface="+mj-lt"/>
+              <a:buAutoNum type="arabicPeriod"/>
+            </a:pPr>
+            <a:r>
+              <a:rPr lang="en-US" sz="2000" dirty="0" smtClean="0"/>
+              <a:t>Secured </a:t>
+            </a:r>
+            <a:r>
+              <a:rPr lang="en-US" sz="2000" dirty="0"/>
+              <a:t>File Upload </a:t>
+            </a:r>
+            <a:r>
+              <a:rPr lang="en-US" sz="2000" dirty="0" smtClean="0"/>
+              <a:t>Endpoint </a:t>
+            </a:r>
+            <a:r>
+              <a:rPr lang="en-US" sz="2000" dirty="0"/>
+              <a:t>with JWT</a:t>
+            </a:r>
+          </a:p>
+          <a:p>
+            <a:pPr marL="457200" indent="-457200">
+              <a:lnSpc>
+                <a:spcPct val="150000"/>
+              </a:lnSpc>
+              <a:buFont typeface="+mj-lt"/>
+              <a:buAutoNum type="arabicPeriod"/>
+            </a:pPr>
+            <a:r>
+              <a:rPr lang="en-US" sz="2000" dirty="0" smtClean="0"/>
+              <a:t>Separate file storage location with Secure with Token</a:t>
+            </a:r>
+            <a:endParaRPr lang="en-US" sz="2000" dirty="0" smtClean="0"/>
+          </a:p>
+        </p:txBody>
+      </p:sp>
+      <p:pic>
+        <p:nvPicPr>
+          <p:cNvPr id="5" name="Picture 4"/>
+          <p:cNvPicPr>
+            <a:picLocks noChangeAspect="1"/>
+          </p:cNvPicPr>
+          <p:nvPr/>
+        </p:nvPicPr>
+        <p:blipFill>
+          <a:blip r:embed="rId3" cstate="print">
+            <a:extLst>
+              <a:ext uri="{28A0092B-C50C-407E-A947-70E740481C1C}">
+                <a14:useLocalDpi xmlns:a14="http://schemas.microsoft.com/office/drawing/2010/main" val="0"/>
+              </a:ext>
+            </a:extLst>
+          </a:blip>
+          <a:stretch>
+            <a:fillRect/>
+          </a:stretch>
+        </p:blipFill>
+        <p:spPr>
+          <a:xfrm>
+            <a:off x="9351820" y="407653"/>
+            <a:ext cx="2535382" cy="2028305"/>
+          </a:xfrm>
+          <a:prstGeom prst="rect">
+            <a:avLst/>
+          </a:prstGeom>
+        </p:spPr>
+      </p:pic>
     </p:spTree>
     <p:extLst>
       <p:ext uri="{BB962C8B-B14F-4D97-AF65-F5344CB8AC3E}">
-        <p14:creationId xmlns:p14="http://schemas.microsoft.com/office/powerpoint/2010/main" val="2857799308"/>
+        <p14:creationId xmlns:p14="http://schemas.microsoft.com/office/powerpoint/2010/main" val="2779431370"/>
+      </p:ext>
+    </p:extLst>
+  </p:cSld>
+  <p:clrMapOvr>
+    <a:masterClrMapping/>
+  </p:clrMapOvr>
+  <p:timing>
+    <p:tnLst>
+      <p:par>
+        <p:cTn id="1" dur="indefinite" restart="never" nodeType="tmRoot"/>
+      </p:par>
+    </p:tnLst>
+  </p:timing>
+</p:sld>
+</file>
+
+<file path=ppt/slides/slide7.xml><?xml version="1.0" encoding="utf-8"?>
+<p:sld xmlns:a="http://schemas.openxmlformats.org/drawingml/2006/main" xmlns:r="http://schemas.openxmlformats.org/officeDocument/2006/relationships" xmlns:p="http://schemas.openxmlformats.org/presentationml/2006/main">
+  <p:cSld>
+    <p:bg>
+      <p:bgPr>
+        <a:blipFill dpi="0" rotWithShape="1">
+          <a:blip r:embed="rId2">
+            <a:lum/>
+          </a:blip>
+          <a:srcRect/>
+          <a:stretch>
+            <a:fillRect t="-17000" b="-17000"/>
+          </a:stretch>
+        </a:blipFill>
+        <a:effectLst/>
+      </p:bgPr>
+    </p:bg>
+    <p:spTree>
+      <p:nvGrpSpPr>
+        <p:cNvPr id="1" name=""/>
+        <p:cNvGrpSpPr/>
+        <p:nvPr/>
+      </p:nvGrpSpPr>
+      <p:grpSpPr>
+        <a:xfrm>
+          <a:off x="0" y="0"/>
+          <a:ext cx="0" cy="0"/>
+          <a:chOff x="0" y="0"/>
+          <a:chExt cx="0" cy="0"/>
+        </a:xfrm>
+      </p:grpSpPr>
+      <p:sp>
+        <p:nvSpPr>
+          <p:cNvPr id="3" name="Rectangle 2"/>
+          <p:cNvSpPr/>
+          <p:nvPr/>
+        </p:nvSpPr>
+        <p:spPr>
+          <a:xfrm>
+            <a:off x="2992582" y="2167608"/>
+            <a:ext cx="7897091" cy="1938992"/>
+          </a:xfrm>
+          <a:prstGeom prst="rect">
+            <a:avLst/>
+          </a:prstGeom>
+          <a:noFill/>
+        </p:spPr>
+        <p:txBody>
+          <a:bodyPr wrap="square" lIns="91440" tIns="45720" rIns="91440" bIns="45720">
+            <a:spAutoFit/>
+          </a:bodyPr>
+          <a:lstStyle/>
+          <a:p>
+            <a:pPr>
+              <a:lnSpc>
+                <a:spcPct val="150000"/>
+              </a:lnSpc>
+            </a:pPr>
+            <a:r>
+              <a:rPr lang="en-US" sz="4800" dirty="0" smtClean="0"/>
+              <a:t>Demo (Screen walkthrough)</a:t>
+            </a:r>
+            <a:endParaRPr lang="en-US" sz="4800" dirty="0"/>
+          </a:p>
+          <a:p>
+            <a:pPr algn="ctr"/>
+            <a:r>
+              <a:rPr lang="en-US" sz="4800" dirty="0" smtClean="0"/>
+              <a:t> </a:t>
+            </a:r>
+            <a:endParaRPr lang="en-US" sz="4800" b="0" cap="none" spc="0" dirty="0">
+              <a:ln w="0"/>
+              <a:solidFill>
+                <a:schemeClr val="tx1"/>
+              </a:solidFill>
+              <a:effectLst>
+                <a:outerShdw blurRad="38100" dist="19050" dir="2700000" algn="tl" rotWithShape="0">
+                  <a:schemeClr val="dk1">
+                    <a:alpha val="40000"/>
+                  </a:schemeClr>
+                </a:outerShdw>
+              </a:effectLst>
+            </a:endParaRPr>
+          </a:p>
+        </p:txBody>
+      </p:sp>
+    </p:spTree>
+    <p:extLst>
+      <p:ext uri="{BB962C8B-B14F-4D97-AF65-F5344CB8AC3E}">
+        <p14:creationId xmlns:p14="http://schemas.microsoft.com/office/powerpoint/2010/main" val="2201102373"/>
+      </p:ext>
+    </p:extLst>
+  </p:cSld>
+  <p:clrMapOvr>
+    <a:masterClrMapping/>
+  </p:clrMapOvr>
+  <p:timing>
+    <p:tnLst>
+      <p:par>
+        <p:cTn id="1" dur="indefinite" restart="never" nodeType="tmRoot"/>
+      </p:par>
+    </p:tnLst>
+  </p:timing>
+</p:sld>
+</file>
+
+<file path=ppt/slides/slide8.xml><?xml version="1.0" encoding="utf-8"?>
+<p:sld xmlns:a="http://schemas.openxmlformats.org/drawingml/2006/main" xmlns:r="http://schemas.openxmlformats.org/officeDocument/2006/relationships" xmlns:p="http://schemas.openxmlformats.org/presentationml/2006/main">
+  <p:cSld>
+    <p:bg>
+      <p:bgPr>
+        <a:blipFill dpi="0" rotWithShape="1">
+          <a:blip r:embed="rId2">
+            <a:lum/>
+          </a:blip>
+          <a:srcRect/>
+          <a:stretch>
+            <a:fillRect t="-17000" b="-17000"/>
+          </a:stretch>
+        </a:blipFill>
+        <a:effectLst/>
+      </p:bgPr>
+    </p:bg>
+    <p:spTree>
+      <p:nvGrpSpPr>
+        <p:cNvPr id="1" name=""/>
+        <p:cNvGrpSpPr/>
+        <p:nvPr/>
+      </p:nvGrpSpPr>
+      <p:grpSpPr>
+        <a:xfrm>
+          <a:off x="0" y="0"/>
+          <a:ext cx="0" cy="0"/>
+          <a:chOff x="0" y="0"/>
+          <a:chExt cx="0" cy="0"/>
+        </a:xfrm>
+      </p:grpSpPr>
+      <p:sp>
+        <p:nvSpPr>
+          <p:cNvPr id="3" name="Rectangle 2"/>
+          <p:cNvSpPr/>
+          <p:nvPr/>
+        </p:nvSpPr>
+        <p:spPr>
+          <a:xfrm>
+            <a:off x="418195" y="0"/>
+            <a:ext cx="5192896" cy="1708160"/>
+          </a:xfrm>
+          <a:prstGeom prst="rect">
+            <a:avLst/>
+          </a:prstGeom>
+          <a:noFill/>
+        </p:spPr>
+        <p:txBody>
+          <a:bodyPr wrap="square" lIns="91440" tIns="45720" rIns="91440" bIns="45720">
+            <a:spAutoFit/>
+          </a:bodyPr>
+          <a:lstStyle/>
+          <a:p>
+            <a:pPr>
+              <a:lnSpc>
+                <a:spcPct val="150000"/>
+              </a:lnSpc>
+            </a:pPr>
+            <a:r>
+              <a:rPr lang="en-US" sz="3800" dirty="0" smtClean="0"/>
+              <a:t>Dashboard Screen</a:t>
+            </a:r>
+            <a:endParaRPr lang="en-US" sz="3800" dirty="0"/>
+          </a:p>
+          <a:p>
+            <a:pPr algn="ctr"/>
+            <a:r>
+              <a:rPr lang="en-US" sz="4800" dirty="0" smtClean="0"/>
+              <a:t> </a:t>
+            </a:r>
+            <a:endParaRPr lang="en-US" sz="4800" b="0" cap="none" spc="0" dirty="0">
+              <a:ln w="0"/>
+              <a:solidFill>
+                <a:schemeClr val="tx1"/>
+              </a:solidFill>
+              <a:effectLst>
+                <a:outerShdw blurRad="38100" dist="19050" dir="2700000" algn="tl" rotWithShape="0">
+                  <a:schemeClr val="dk1">
+                    <a:alpha val="40000"/>
+                  </a:schemeClr>
+                </a:outerShdw>
+              </a:effectLst>
+            </a:endParaRPr>
+          </a:p>
+        </p:txBody>
+      </p:sp>
+      <p:pic>
+        <p:nvPicPr>
+          <p:cNvPr id="2" name="Picture 1"/>
+          <p:cNvPicPr>
+            <a:picLocks noChangeAspect="1"/>
+          </p:cNvPicPr>
+          <p:nvPr/>
+        </p:nvPicPr>
+        <p:blipFill>
+          <a:blip r:embed="rId3"/>
+          <a:stretch>
+            <a:fillRect/>
+          </a:stretch>
+        </p:blipFill>
+        <p:spPr>
+          <a:xfrm>
+            <a:off x="5802024" y="-18618"/>
+            <a:ext cx="5741430" cy="6876618"/>
+          </a:xfrm>
+          <a:prstGeom prst="rect">
+            <a:avLst/>
+          </a:prstGeom>
+        </p:spPr>
+      </p:pic>
+    </p:spTree>
+    <p:extLst>
+      <p:ext uri="{BB962C8B-B14F-4D97-AF65-F5344CB8AC3E}">
+        <p14:creationId xmlns:p14="http://schemas.microsoft.com/office/powerpoint/2010/main" val="335166447"/>
+      </p:ext>
+    </p:extLst>
+  </p:cSld>
+  <p:clrMapOvr>
+    <a:masterClrMapping/>
+  </p:clrMapOvr>
+  <p:timing>
+    <p:tnLst>
+      <p:par>
+        <p:cTn id="1" dur="indefinite" restart="never" nodeType="tmRoot"/>
+      </p:par>
+    </p:tnLst>
+  </p:timing>
+</p:sld>
+</file>
+
+<file path=ppt/slides/slide9.xml><?xml version="1.0" encoding="utf-8"?>
+<p:sld xmlns:a="http://schemas.openxmlformats.org/drawingml/2006/main" xmlns:r="http://schemas.openxmlformats.org/officeDocument/2006/relationships" xmlns:p="http://schemas.openxmlformats.org/presentationml/2006/main">
+  <p:cSld>
+    <p:bg>
+      <p:bgPr>
+        <a:blipFill dpi="0" rotWithShape="1">
+          <a:blip r:embed="rId2">
+            <a:lum/>
+          </a:blip>
+          <a:srcRect/>
+          <a:stretch>
+            <a:fillRect t="-17000" b="-17000"/>
+          </a:stretch>
+        </a:blipFill>
+        <a:effectLst/>
+      </p:bgPr>
+    </p:bg>
+    <p:spTree>
+      <p:nvGrpSpPr>
+        <p:cNvPr id="1" name=""/>
+        <p:cNvGrpSpPr/>
+        <p:nvPr/>
+      </p:nvGrpSpPr>
+      <p:grpSpPr>
+        <a:xfrm>
+          <a:off x="0" y="0"/>
+          <a:ext cx="0" cy="0"/>
+          <a:chOff x="0" y="0"/>
+          <a:chExt cx="0" cy="0"/>
+        </a:xfrm>
+      </p:grpSpPr>
+      <p:sp>
+        <p:nvSpPr>
+          <p:cNvPr id="3" name="Rectangle 2"/>
+          <p:cNvSpPr/>
+          <p:nvPr/>
+        </p:nvSpPr>
+        <p:spPr>
+          <a:xfrm>
+            <a:off x="418194" y="0"/>
+            <a:ext cx="8005369" cy="1708160"/>
+          </a:xfrm>
+          <a:prstGeom prst="rect">
+            <a:avLst/>
+          </a:prstGeom>
+          <a:noFill/>
+        </p:spPr>
+        <p:txBody>
+          <a:bodyPr wrap="square" lIns="91440" tIns="45720" rIns="91440" bIns="45720">
+            <a:spAutoFit/>
+          </a:bodyPr>
+          <a:lstStyle/>
+          <a:p>
+            <a:pPr>
+              <a:lnSpc>
+                <a:spcPct val="150000"/>
+              </a:lnSpc>
+            </a:pPr>
+            <a:r>
+              <a:rPr lang="en-US" sz="3800" dirty="0" smtClean="0"/>
+              <a:t>Signup and Login Screen</a:t>
+            </a:r>
+            <a:endParaRPr lang="en-US" sz="3800" dirty="0"/>
+          </a:p>
+          <a:p>
+            <a:pPr algn="ctr"/>
+            <a:r>
+              <a:rPr lang="en-US" sz="4800" dirty="0" smtClean="0"/>
+              <a:t> </a:t>
+            </a:r>
+            <a:endParaRPr lang="en-US" sz="4800" b="0" cap="none" spc="0" dirty="0">
+              <a:ln w="0"/>
+              <a:solidFill>
+                <a:schemeClr val="tx1"/>
+              </a:solidFill>
+              <a:effectLst>
+                <a:outerShdw blurRad="38100" dist="19050" dir="2700000" algn="tl" rotWithShape="0">
+                  <a:schemeClr val="dk1">
+                    <a:alpha val="40000"/>
+                  </a:schemeClr>
+                </a:outerShdw>
+              </a:effectLst>
+            </a:endParaRPr>
+          </a:p>
+        </p:txBody>
+      </p:sp>
+      <p:pic>
+        <p:nvPicPr>
+          <p:cNvPr id="4" name="Picture 3"/>
+          <p:cNvPicPr>
+            <a:picLocks noChangeAspect="1"/>
+          </p:cNvPicPr>
+          <p:nvPr/>
+        </p:nvPicPr>
+        <p:blipFill>
+          <a:blip r:embed="rId3"/>
+          <a:stretch>
+            <a:fillRect/>
+          </a:stretch>
+        </p:blipFill>
+        <p:spPr>
+          <a:xfrm>
+            <a:off x="162848" y="1052945"/>
+            <a:ext cx="6039185" cy="5805055"/>
+          </a:xfrm>
+          <a:prstGeom prst="rect">
+            <a:avLst/>
+          </a:prstGeom>
+        </p:spPr>
+      </p:pic>
+      <p:pic>
+        <p:nvPicPr>
+          <p:cNvPr id="5" name="Picture 4"/>
+          <p:cNvPicPr>
+            <a:picLocks noChangeAspect="1"/>
+          </p:cNvPicPr>
+          <p:nvPr/>
+        </p:nvPicPr>
+        <p:blipFill>
+          <a:blip r:embed="rId4"/>
+          <a:stretch>
+            <a:fillRect/>
+          </a:stretch>
+        </p:blipFill>
+        <p:spPr>
+          <a:xfrm>
+            <a:off x="6429807" y="2170401"/>
+            <a:ext cx="5717514" cy="2997344"/>
+          </a:xfrm>
+          <a:prstGeom prst="rect">
+            <a:avLst/>
+          </a:prstGeom>
+        </p:spPr>
+      </p:pic>
+    </p:spTree>
+    <p:extLst>
+      <p:ext uri="{BB962C8B-B14F-4D97-AF65-F5344CB8AC3E}">
+        <p14:creationId xmlns:p14="http://schemas.microsoft.com/office/powerpoint/2010/main" val="1012338819"/>
       </p:ext>
     </p:extLst>
   </p:cSld>
